--- a/발표ppt.pptx
+++ b/발표ppt.pptx
@@ -10,7 +10,8 @@
     <p:sldId id="258" r:id="rId4"/>
     <p:sldId id="259" r:id="rId5"/>
     <p:sldId id="261" r:id="rId6"/>
-    <p:sldId id="262" r:id="rId7"/>
+    <p:sldId id="263" r:id="rId7"/>
+    <p:sldId id="262" r:id="rId8"/>
   </p:sldIdLst>
   <p:sldSz cx="12192000" cy="6858000"/>
   <p:notesSz cx="6858000" cy="9144000"/>
@@ -109,6 +110,11 @@
       </a:defRPr>
     </a:lvl9pPr>
   </p:defaultTextStyle>
+  <p:extLst>
+    <p:ext uri="{EFAFB233-063F-42B5-8137-9DF3F51BA10A}">
+      <p15:sldGuideLst xmlns:p15="http://schemas.microsoft.com/office/powerpoint/2012/main"/>
+    </p:ext>
+  </p:extLst>
 </p:presentation>
 </file>
 
@@ -259,7 +265,7 @@
           <a:p>
             <a:fld id="{FB733D63-4AA7-4C9D-890A-9E866060496B}" type="datetimeFigureOut">
               <a:rPr lang="ko-KR" altLang="en-US" smtClean="0"/>
-              <a:t>2024-10-10</a:t>
+              <a:t>2024-10-14</a:t>
             </a:fld>
             <a:endParaRPr lang="ko-KR" altLang="en-US"/>
           </a:p>
@@ -457,7 +463,7 @@
           <a:p>
             <a:fld id="{FB733D63-4AA7-4C9D-890A-9E866060496B}" type="datetimeFigureOut">
               <a:rPr lang="ko-KR" altLang="en-US" smtClean="0"/>
-              <a:t>2024-10-10</a:t>
+              <a:t>2024-10-14</a:t>
             </a:fld>
             <a:endParaRPr lang="ko-KR" altLang="en-US"/>
           </a:p>
@@ -665,7 +671,7 @@
           <a:p>
             <a:fld id="{FB733D63-4AA7-4C9D-890A-9E866060496B}" type="datetimeFigureOut">
               <a:rPr lang="ko-KR" altLang="en-US" smtClean="0"/>
-              <a:t>2024-10-10</a:t>
+              <a:t>2024-10-14</a:t>
             </a:fld>
             <a:endParaRPr lang="ko-KR" altLang="en-US"/>
           </a:p>
@@ -863,7 +869,7 @@
           <a:p>
             <a:fld id="{FB733D63-4AA7-4C9D-890A-9E866060496B}" type="datetimeFigureOut">
               <a:rPr lang="ko-KR" altLang="en-US" smtClean="0"/>
-              <a:t>2024-10-10</a:t>
+              <a:t>2024-10-14</a:t>
             </a:fld>
             <a:endParaRPr lang="ko-KR" altLang="en-US"/>
           </a:p>
@@ -1138,7 +1144,7 @@
           <a:p>
             <a:fld id="{FB733D63-4AA7-4C9D-890A-9E866060496B}" type="datetimeFigureOut">
               <a:rPr lang="ko-KR" altLang="en-US" smtClean="0"/>
-              <a:t>2024-10-10</a:t>
+              <a:t>2024-10-14</a:t>
             </a:fld>
             <a:endParaRPr lang="ko-KR" altLang="en-US"/>
           </a:p>
@@ -1403,7 +1409,7 @@
           <a:p>
             <a:fld id="{FB733D63-4AA7-4C9D-890A-9E866060496B}" type="datetimeFigureOut">
               <a:rPr lang="ko-KR" altLang="en-US" smtClean="0"/>
-              <a:t>2024-10-10</a:t>
+              <a:t>2024-10-14</a:t>
             </a:fld>
             <a:endParaRPr lang="ko-KR" altLang="en-US"/>
           </a:p>
@@ -1815,7 +1821,7 @@
           <a:p>
             <a:fld id="{FB733D63-4AA7-4C9D-890A-9E866060496B}" type="datetimeFigureOut">
               <a:rPr lang="ko-KR" altLang="en-US" smtClean="0"/>
-              <a:t>2024-10-10</a:t>
+              <a:t>2024-10-14</a:t>
             </a:fld>
             <a:endParaRPr lang="ko-KR" altLang="en-US"/>
           </a:p>
@@ -1956,7 +1962,7 @@
           <a:p>
             <a:fld id="{FB733D63-4AA7-4C9D-890A-9E866060496B}" type="datetimeFigureOut">
               <a:rPr lang="ko-KR" altLang="en-US" smtClean="0"/>
-              <a:t>2024-10-10</a:t>
+              <a:t>2024-10-14</a:t>
             </a:fld>
             <a:endParaRPr lang="ko-KR" altLang="en-US"/>
           </a:p>
@@ -2069,7 +2075,7 @@
           <a:p>
             <a:fld id="{FB733D63-4AA7-4C9D-890A-9E866060496B}" type="datetimeFigureOut">
               <a:rPr lang="ko-KR" altLang="en-US" smtClean="0"/>
-              <a:t>2024-10-10</a:t>
+              <a:t>2024-10-14</a:t>
             </a:fld>
             <a:endParaRPr lang="ko-KR" altLang="en-US"/>
           </a:p>
@@ -2380,7 +2386,7 @@
           <a:p>
             <a:fld id="{FB733D63-4AA7-4C9D-890A-9E866060496B}" type="datetimeFigureOut">
               <a:rPr lang="ko-KR" altLang="en-US" smtClean="0"/>
-              <a:t>2024-10-10</a:t>
+              <a:t>2024-10-14</a:t>
             </a:fld>
             <a:endParaRPr lang="ko-KR" altLang="en-US"/>
           </a:p>
@@ -2668,7 +2674,7 @@
           <a:p>
             <a:fld id="{FB733D63-4AA7-4C9D-890A-9E866060496B}" type="datetimeFigureOut">
               <a:rPr lang="ko-KR" altLang="en-US" smtClean="0"/>
-              <a:t>2024-10-10</a:t>
+              <a:t>2024-10-14</a:t>
             </a:fld>
             <a:endParaRPr lang="ko-KR" altLang="en-US"/>
           </a:p>
@@ -2909,7 +2915,7 @@
           <a:p>
             <a:fld id="{FB733D63-4AA7-4C9D-890A-9E866060496B}" type="datetimeFigureOut">
               <a:rPr lang="ko-KR" altLang="en-US" smtClean="0"/>
-              <a:t>2024-10-10</a:t>
+              <a:t>2024-10-14</a:t>
             </a:fld>
             <a:endParaRPr lang="ko-KR" altLang="en-US"/>
           </a:p>
@@ -14697,6 +14703,671 @@
   <p:cSld>
     <p:spTree>
       <p:nvGrpSpPr>
+        <p:cNvPr id="1" name="">
+          <a:extLst>
+            <a:ext uri="{FF2B5EF4-FFF2-40B4-BE49-F238E27FC236}">
+              <a16:creationId xmlns:a16="http://schemas.microsoft.com/office/drawing/2014/main" id="{0AC368BA-2B74-306A-671D-F187F385178E}"/>
+            </a:ext>
+          </a:extLst>
+        </p:cNvPr>
+        <p:cNvGrpSpPr/>
+        <p:nvPr/>
+      </p:nvGrpSpPr>
+      <p:grpSpPr>
+        <a:xfrm>
+          <a:off x="0" y="0"/>
+          <a:ext cx="0" cy="0"/>
+          <a:chOff x="0" y="0"/>
+          <a:chExt cx="0" cy="0"/>
+        </a:xfrm>
+      </p:grpSpPr>
+      <p:sp>
+        <p:nvSpPr>
+          <p:cNvPr id="2" name="TextBox 1">
+            <a:extLst>
+              <a:ext uri="{FF2B5EF4-FFF2-40B4-BE49-F238E27FC236}">
+                <a16:creationId xmlns:a16="http://schemas.microsoft.com/office/drawing/2014/main" id="{200CA1C2-A879-E5C8-8DE0-095ED497CA9E}"/>
+              </a:ext>
+            </a:extLst>
+          </p:cNvPr>
+          <p:cNvSpPr txBox="1"/>
+          <p:nvPr/>
+        </p:nvSpPr>
+        <p:spPr>
+          <a:xfrm>
+            <a:off x="0" y="0"/>
+            <a:ext cx="12191999" cy="923330"/>
+          </a:xfrm>
+          <a:prstGeom prst="rect">
+            <a:avLst/>
+          </a:prstGeom>
+          <a:noFill/>
+        </p:spPr>
+        <p:txBody>
+          <a:bodyPr wrap="square" rtlCol="0">
+            <a:spAutoFit/>
+          </a:bodyPr>
+          <a:lstStyle/>
+          <a:p>
+            <a:pPr algn="ctr"/>
+            <a:r>
+              <a:rPr lang="ko-KR" altLang="en-US" sz="5400" dirty="0"/>
+              <a:t>개발 계획</a:t>
+            </a:r>
+            <a:endParaRPr lang="ko-KR" altLang="en-US" sz="1600" dirty="0"/>
+          </a:p>
+        </p:txBody>
+      </p:sp>
+      <p:sp>
+        <p:nvSpPr>
+          <p:cNvPr id="3" name="TextBox 2">
+            <a:extLst>
+              <a:ext uri="{FF2B5EF4-FFF2-40B4-BE49-F238E27FC236}">
+                <a16:creationId xmlns:a16="http://schemas.microsoft.com/office/drawing/2014/main" id="{F74BD502-2F71-E617-8757-4335D039C47C}"/>
+              </a:ext>
+            </a:extLst>
+          </p:cNvPr>
+          <p:cNvSpPr txBox="1"/>
+          <p:nvPr/>
+        </p:nvSpPr>
+        <p:spPr>
+          <a:xfrm>
+            <a:off x="0" y="1229710"/>
+            <a:ext cx="12191998" cy="6001643"/>
+          </a:xfrm>
+          <a:prstGeom prst="rect">
+            <a:avLst/>
+          </a:prstGeom>
+          <a:noFill/>
+        </p:spPr>
+        <p:txBody>
+          <a:bodyPr wrap="square" rtlCol="0">
+            <a:spAutoFit/>
+          </a:bodyPr>
+          <a:lstStyle/>
+          <a:p>
+            <a:r>
+              <a:rPr lang="en-US" altLang="ko-KR" sz="2400" b="1" dirty="0">
+                <a:effectLst>
+                  <a:outerShdw blurRad="38100" dist="38100" dir="2700000" algn="tl">
+                    <a:srgbClr val="000000">
+                      <a:alpha val="43137"/>
+                    </a:srgbClr>
+                  </a:outerShdw>
+                </a:effectLst>
+              </a:rPr>
+              <a:t>1</a:t>
+            </a:r>
+            <a:r>
+              <a:rPr lang="ko-KR" altLang="en-US" sz="2400" b="1" dirty="0">
+                <a:effectLst>
+                  <a:outerShdw blurRad="38100" dist="38100" dir="2700000" algn="tl">
+                    <a:srgbClr val="000000">
+                      <a:alpha val="43137"/>
+                    </a:srgbClr>
+                  </a:outerShdw>
+                </a:effectLst>
+              </a:rPr>
+              <a:t>일차</a:t>
+            </a:r>
+            <a:r>
+              <a:rPr lang="en-US" altLang="ko-KR" sz="2400" b="1" dirty="0">
+                <a:effectLst>
+                  <a:outerShdw blurRad="38100" dist="38100" dir="2700000" algn="tl">
+                    <a:srgbClr val="000000">
+                      <a:alpha val="43137"/>
+                    </a:srgbClr>
+                  </a:outerShdw>
+                </a:effectLst>
+              </a:rPr>
+              <a:t>: </a:t>
+            </a:r>
+            <a:r>
+              <a:rPr lang="ko-KR" altLang="en-US" sz="2400" b="1" dirty="0">
+                <a:effectLst>
+                  <a:outerShdw blurRad="38100" dist="38100" dir="2700000" algn="tl">
+                    <a:srgbClr val="000000">
+                      <a:alpha val="43137"/>
+                    </a:srgbClr>
+                  </a:outerShdw>
+                </a:effectLst>
+              </a:rPr>
+              <a:t>리소스 수집 및 월드 생성</a:t>
+            </a:r>
+            <a:endParaRPr lang="en-US" altLang="ko-KR" sz="2400" b="1" dirty="0">
+              <a:effectLst>
+                <a:outerShdw blurRad="38100" dist="38100" dir="2700000" algn="tl">
+                  <a:srgbClr val="000000">
+                    <a:alpha val="43137"/>
+                  </a:srgbClr>
+                </a:outerShdw>
+              </a:effectLst>
+            </a:endParaRPr>
+          </a:p>
+          <a:p>
+            <a:r>
+              <a:rPr lang="en-US" altLang="ko-KR" sz="2400" b="1" dirty="0">
+                <a:effectLst>
+                  <a:outerShdw blurRad="38100" dist="38100" dir="2700000" algn="tl">
+                    <a:srgbClr val="000000">
+                      <a:alpha val="43137"/>
+                    </a:srgbClr>
+                  </a:outerShdw>
+                </a:effectLst>
+              </a:rPr>
+              <a:t> </a:t>
+            </a:r>
+          </a:p>
+          <a:p>
+            <a:r>
+              <a:rPr lang="en-US" altLang="ko-KR" sz="2400" b="1" dirty="0">
+                <a:effectLst>
+                  <a:outerShdw blurRad="38100" dist="38100" dir="2700000" algn="tl">
+                    <a:srgbClr val="000000">
+                      <a:alpha val="43137"/>
+                    </a:srgbClr>
+                  </a:outerShdw>
+                </a:effectLst>
+              </a:rPr>
+              <a:t>2</a:t>
+            </a:r>
+            <a:r>
+              <a:rPr lang="ko-KR" altLang="en-US" sz="2400" b="1" dirty="0">
+                <a:effectLst>
+                  <a:outerShdw blurRad="38100" dist="38100" dir="2700000" algn="tl">
+                    <a:srgbClr val="000000">
+                      <a:alpha val="43137"/>
+                    </a:srgbClr>
+                  </a:outerShdw>
+                </a:effectLst>
+              </a:rPr>
+              <a:t>일차</a:t>
+            </a:r>
+            <a:r>
+              <a:rPr lang="en-US" altLang="ko-KR" sz="2400" b="1" dirty="0">
+                <a:effectLst>
+                  <a:outerShdw blurRad="38100" dist="38100" dir="2700000" algn="tl">
+                    <a:srgbClr val="000000">
+                      <a:alpha val="43137"/>
+                    </a:srgbClr>
+                  </a:outerShdw>
+                </a:effectLst>
+              </a:rPr>
+              <a:t>: </a:t>
+            </a:r>
+            <a:r>
+              <a:rPr lang="ko-KR" altLang="en-US" sz="2400" b="1" dirty="0">
+                <a:effectLst>
+                  <a:outerShdw blurRad="38100" dist="38100" dir="2700000" algn="tl">
+                    <a:srgbClr val="000000">
+                      <a:alpha val="43137"/>
+                    </a:srgbClr>
+                  </a:outerShdw>
+                </a:effectLst>
+              </a:rPr>
+              <a:t>캐릭터 생성 </a:t>
+            </a:r>
+            <a:endParaRPr lang="en-US" altLang="ko-KR" sz="2400" b="1" dirty="0">
+              <a:effectLst>
+                <a:outerShdw blurRad="38100" dist="38100" dir="2700000" algn="tl">
+                  <a:srgbClr val="000000">
+                    <a:alpha val="43137"/>
+                  </a:srgbClr>
+                </a:outerShdw>
+              </a:effectLst>
+            </a:endParaRPr>
+          </a:p>
+          <a:p>
+            <a:endParaRPr lang="en-US" altLang="ko-KR" sz="2400" b="1" dirty="0">
+              <a:effectLst>
+                <a:outerShdw blurRad="38100" dist="38100" dir="2700000" algn="tl">
+                  <a:srgbClr val="000000">
+                    <a:alpha val="43137"/>
+                  </a:srgbClr>
+                </a:outerShdw>
+              </a:effectLst>
+            </a:endParaRPr>
+          </a:p>
+          <a:p>
+            <a:r>
+              <a:rPr lang="en-US" altLang="ko-KR" sz="2400" b="1" dirty="0">
+                <a:effectLst>
+                  <a:outerShdw blurRad="38100" dist="38100" dir="2700000" algn="tl">
+                    <a:srgbClr val="000000">
+                      <a:alpha val="43137"/>
+                    </a:srgbClr>
+                  </a:outerShdw>
+                </a:effectLst>
+              </a:rPr>
+              <a:t>3</a:t>
+            </a:r>
+            <a:r>
+              <a:rPr lang="ko-KR" altLang="en-US" sz="2400" b="1" dirty="0">
+                <a:effectLst>
+                  <a:outerShdw blurRad="38100" dist="38100" dir="2700000" algn="tl">
+                    <a:srgbClr val="000000">
+                      <a:alpha val="43137"/>
+                    </a:srgbClr>
+                  </a:outerShdw>
+                </a:effectLst>
+              </a:rPr>
+              <a:t>일차</a:t>
+            </a:r>
+            <a:r>
+              <a:rPr lang="en-US" altLang="ko-KR" sz="2400" b="1" dirty="0">
+                <a:effectLst>
+                  <a:outerShdw blurRad="38100" dist="38100" dir="2700000" algn="tl">
+                    <a:srgbClr val="000000">
+                      <a:alpha val="43137"/>
+                    </a:srgbClr>
+                  </a:outerShdw>
+                </a:effectLst>
+              </a:rPr>
+              <a:t>: </a:t>
+            </a:r>
+            <a:r>
+              <a:rPr lang="ko-KR" altLang="en-US" sz="2400" b="1" dirty="0">
+                <a:effectLst>
+                  <a:outerShdw blurRad="38100" dist="38100" dir="2700000" algn="tl">
+                    <a:srgbClr val="000000">
+                      <a:alpha val="43137"/>
+                    </a:srgbClr>
+                  </a:outerShdw>
+                </a:effectLst>
+              </a:rPr>
+              <a:t>캐릭터 생성 </a:t>
+            </a:r>
+            <a:endParaRPr lang="en-US" altLang="ko-KR" sz="2400" b="1" dirty="0">
+              <a:effectLst>
+                <a:outerShdw blurRad="38100" dist="38100" dir="2700000" algn="tl">
+                  <a:srgbClr val="000000">
+                    <a:alpha val="43137"/>
+                  </a:srgbClr>
+                </a:outerShdw>
+              </a:effectLst>
+            </a:endParaRPr>
+          </a:p>
+          <a:p>
+            <a:endParaRPr lang="en-US" altLang="ko-KR" sz="2400" b="1" dirty="0">
+              <a:effectLst>
+                <a:outerShdw blurRad="38100" dist="38100" dir="2700000" algn="tl">
+                  <a:srgbClr val="000000">
+                    <a:alpha val="43137"/>
+                  </a:srgbClr>
+                </a:outerShdw>
+              </a:effectLst>
+            </a:endParaRPr>
+          </a:p>
+          <a:p>
+            <a:r>
+              <a:rPr lang="en-US" altLang="ko-KR" sz="2400" b="1" dirty="0">
+                <a:effectLst>
+                  <a:outerShdw blurRad="38100" dist="38100" dir="2700000" algn="tl">
+                    <a:srgbClr val="000000">
+                      <a:alpha val="43137"/>
+                    </a:srgbClr>
+                  </a:outerShdw>
+                </a:effectLst>
+              </a:rPr>
+              <a:t>4</a:t>
+            </a:r>
+            <a:r>
+              <a:rPr lang="ko-KR" altLang="en-US" sz="2400" b="1" dirty="0">
+                <a:effectLst>
+                  <a:outerShdw blurRad="38100" dist="38100" dir="2700000" algn="tl">
+                    <a:srgbClr val="000000">
+                      <a:alpha val="43137"/>
+                    </a:srgbClr>
+                  </a:outerShdw>
+                </a:effectLst>
+              </a:rPr>
+              <a:t>일차</a:t>
+            </a:r>
+            <a:r>
+              <a:rPr lang="en-US" altLang="ko-KR" sz="2400" b="1" dirty="0">
+                <a:effectLst>
+                  <a:outerShdw blurRad="38100" dist="38100" dir="2700000" algn="tl">
+                    <a:srgbClr val="000000">
+                      <a:alpha val="43137"/>
+                    </a:srgbClr>
+                  </a:outerShdw>
+                </a:effectLst>
+              </a:rPr>
+              <a:t>: </a:t>
+            </a:r>
+            <a:r>
+              <a:rPr lang="ko-KR" altLang="en-US" sz="2400" b="1" dirty="0">
+                <a:effectLst>
+                  <a:outerShdw blurRad="38100" dist="38100" dir="2700000" algn="tl">
+                    <a:srgbClr val="000000">
+                      <a:alpha val="43137"/>
+                    </a:srgbClr>
+                  </a:outerShdw>
+                </a:effectLst>
+              </a:rPr>
+              <a:t>필요 물리법칙 구현</a:t>
+            </a:r>
+            <a:endParaRPr lang="en-US" altLang="ko-KR" sz="2400" b="1" dirty="0">
+              <a:effectLst>
+                <a:outerShdw blurRad="38100" dist="38100" dir="2700000" algn="tl">
+                  <a:srgbClr val="000000">
+                    <a:alpha val="43137"/>
+                  </a:srgbClr>
+                </a:outerShdw>
+              </a:effectLst>
+            </a:endParaRPr>
+          </a:p>
+          <a:p>
+            <a:endParaRPr lang="en-US" altLang="ko-KR" sz="2400" b="1" dirty="0">
+              <a:effectLst>
+                <a:outerShdw blurRad="38100" dist="38100" dir="2700000" algn="tl">
+                  <a:srgbClr val="000000">
+                    <a:alpha val="43137"/>
+                  </a:srgbClr>
+                </a:outerShdw>
+              </a:effectLst>
+            </a:endParaRPr>
+          </a:p>
+          <a:p>
+            <a:r>
+              <a:rPr lang="en-US" altLang="ko-KR" sz="2400" b="1" dirty="0">
+                <a:effectLst>
+                  <a:outerShdw blurRad="38100" dist="38100" dir="2700000" algn="tl">
+                    <a:srgbClr val="000000">
+                      <a:alpha val="43137"/>
+                    </a:srgbClr>
+                  </a:outerShdw>
+                </a:effectLst>
+              </a:rPr>
+              <a:t>5</a:t>
+            </a:r>
+            <a:r>
+              <a:rPr lang="ko-KR" altLang="en-US" sz="2400" b="1" dirty="0">
+                <a:effectLst>
+                  <a:outerShdw blurRad="38100" dist="38100" dir="2700000" algn="tl">
+                    <a:srgbClr val="000000">
+                      <a:alpha val="43137"/>
+                    </a:srgbClr>
+                  </a:outerShdw>
+                </a:effectLst>
+              </a:rPr>
+              <a:t>일차</a:t>
+            </a:r>
+            <a:r>
+              <a:rPr lang="en-US" altLang="ko-KR" sz="2400" b="1" dirty="0">
+                <a:effectLst>
+                  <a:outerShdw blurRad="38100" dist="38100" dir="2700000" algn="tl">
+                    <a:srgbClr val="000000">
+                      <a:alpha val="43137"/>
+                    </a:srgbClr>
+                  </a:outerShdw>
+                </a:effectLst>
+              </a:rPr>
+              <a:t>: </a:t>
+            </a:r>
+            <a:r>
+              <a:rPr lang="ko-KR" altLang="en-US" sz="2400" b="1" dirty="0">
+                <a:effectLst>
+                  <a:outerShdw blurRad="38100" dist="38100" dir="2700000" algn="tl">
+                    <a:srgbClr val="000000">
+                      <a:alpha val="43137"/>
+                    </a:srgbClr>
+                  </a:outerShdw>
+                </a:effectLst>
+              </a:rPr>
+              <a:t>히트박스 제작</a:t>
+            </a:r>
+            <a:endParaRPr lang="en-US" altLang="ko-KR" sz="2400" b="1" dirty="0">
+              <a:effectLst>
+                <a:outerShdw blurRad="38100" dist="38100" dir="2700000" algn="tl">
+                  <a:srgbClr val="000000">
+                    <a:alpha val="43137"/>
+                  </a:srgbClr>
+                </a:outerShdw>
+              </a:effectLst>
+            </a:endParaRPr>
+          </a:p>
+          <a:p>
+            <a:endParaRPr lang="en-US" altLang="ko-KR" sz="2400" b="1" dirty="0">
+              <a:effectLst>
+                <a:outerShdw blurRad="38100" dist="38100" dir="2700000" algn="tl">
+                  <a:srgbClr val="000000">
+                    <a:alpha val="43137"/>
+                  </a:srgbClr>
+                </a:outerShdw>
+              </a:effectLst>
+            </a:endParaRPr>
+          </a:p>
+          <a:p>
+            <a:r>
+              <a:rPr lang="en-US" altLang="ko-KR" sz="2400" b="1" dirty="0">
+                <a:effectLst>
+                  <a:outerShdw blurRad="38100" dist="38100" dir="2700000" algn="tl">
+                    <a:srgbClr val="000000">
+                      <a:alpha val="43137"/>
+                    </a:srgbClr>
+                  </a:outerShdw>
+                </a:effectLst>
+              </a:rPr>
+              <a:t>6</a:t>
+            </a:r>
+            <a:r>
+              <a:rPr lang="ko-KR" altLang="en-US" sz="2400" b="1" dirty="0">
+                <a:effectLst>
+                  <a:outerShdw blurRad="38100" dist="38100" dir="2700000" algn="tl">
+                    <a:srgbClr val="000000">
+                      <a:alpha val="43137"/>
+                    </a:srgbClr>
+                  </a:outerShdw>
+                </a:effectLst>
+              </a:rPr>
+              <a:t>일차</a:t>
+            </a:r>
+            <a:r>
+              <a:rPr lang="en-US" altLang="ko-KR" sz="2400" b="1" dirty="0">
+                <a:effectLst>
+                  <a:outerShdw blurRad="38100" dist="38100" dir="2700000" algn="tl">
+                    <a:srgbClr val="000000">
+                      <a:alpha val="43137"/>
+                    </a:srgbClr>
+                  </a:outerShdw>
+                </a:effectLst>
+              </a:rPr>
+              <a:t>: </a:t>
+            </a:r>
+            <a:r>
+              <a:rPr lang="ko-KR" altLang="en-US" sz="2400" b="1" dirty="0">
+                <a:effectLst>
+                  <a:outerShdw blurRad="38100" dist="38100" dir="2700000" algn="tl">
+                    <a:srgbClr val="000000">
+                      <a:alpha val="43137"/>
+                    </a:srgbClr>
+                  </a:outerShdw>
+                </a:effectLst>
+              </a:rPr>
+              <a:t>공격 및 피격 판정 구현</a:t>
+            </a:r>
+            <a:endParaRPr lang="en-US" altLang="ko-KR" sz="2400" b="1" dirty="0">
+              <a:effectLst>
+                <a:outerShdw blurRad="38100" dist="38100" dir="2700000" algn="tl">
+                  <a:srgbClr val="000000">
+                    <a:alpha val="43137"/>
+                  </a:srgbClr>
+                </a:outerShdw>
+              </a:effectLst>
+            </a:endParaRPr>
+          </a:p>
+          <a:p>
+            <a:endParaRPr lang="en-US" altLang="ko-KR" sz="2400" b="1" dirty="0">
+              <a:effectLst>
+                <a:outerShdw blurRad="38100" dist="38100" dir="2700000" algn="tl">
+                  <a:srgbClr val="000000">
+                    <a:alpha val="43137"/>
+                  </a:srgbClr>
+                </a:outerShdw>
+              </a:effectLst>
+            </a:endParaRPr>
+          </a:p>
+          <a:p>
+            <a:r>
+              <a:rPr lang="en-US" altLang="ko-KR" sz="2400" b="1" dirty="0">
+                <a:effectLst>
+                  <a:outerShdw blurRad="38100" dist="38100" dir="2700000" algn="tl">
+                    <a:srgbClr val="000000">
+                      <a:alpha val="43137"/>
+                    </a:srgbClr>
+                  </a:outerShdw>
+                </a:effectLst>
+              </a:rPr>
+              <a:t>7</a:t>
+            </a:r>
+            <a:r>
+              <a:rPr lang="ko-KR" altLang="en-US" sz="2400" b="1" dirty="0">
+                <a:effectLst>
+                  <a:outerShdw blurRad="38100" dist="38100" dir="2700000" algn="tl">
+                    <a:srgbClr val="000000">
+                      <a:alpha val="43137"/>
+                    </a:srgbClr>
+                  </a:outerShdw>
+                </a:effectLst>
+              </a:rPr>
+              <a:t>일차</a:t>
+            </a:r>
+            <a:r>
+              <a:rPr lang="en-US" altLang="ko-KR" sz="2400" b="1" dirty="0">
+                <a:effectLst>
+                  <a:outerShdw blurRad="38100" dist="38100" dir="2700000" algn="tl">
+                    <a:srgbClr val="000000">
+                      <a:alpha val="43137"/>
+                    </a:srgbClr>
+                  </a:outerShdw>
+                </a:effectLst>
+              </a:rPr>
+              <a:t>: </a:t>
+            </a:r>
+            <a:r>
+              <a:rPr lang="ko-KR" altLang="en-US" sz="2400" b="1" dirty="0">
+                <a:effectLst>
+                  <a:outerShdw blurRad="38100" dist="38100" dir="2700000" algn="tl">
+                    <a:srgbClr val="000000">
+                      <a:alpha val="43137"/>
+                    </a:srgbClr>
+                  </a:outerShdw>
+                </a:effectLst>
+              </a:rPr>
+              <a:t>사망 및 생명 시스템 구현</a:t>
+            </a:r>
+            <a:endParaRPr lang="en-US" altLang="ko-KR" sz="2400" b="1" dirty="0">
+              <a:effectLst>
+                <a:outerShdw blurRad="38100" dist="38100" dir="2700000" algn="tl">
+                  <a:srgbClr val="000000">
+                    <a:alpha val="43137"/>
+                  </a:srgbClr>
+                </a:outerShdw>
+              </a:effectLst>
+            </a:endParaRPr>
+          </a:p>
+          <a:p>
+            <a:endParaRPr lang="en-US" altLang="ko-KR" sz="2400" b="1" dirty="0">
+              <a:effectLst>
+                <a:outerShdw blurRad="38100" dist="38100" dir="2700000" algn="tl">
+                  <a:srgbClr val="000000">
+                    <a:alpha val="43137"/>
+                  </a:srgbClr>
+                </a:outerShdw>
+              </a:effectLst>
+            </a:endParaRPr>
+          </a:p>
+          <a:p>
+            <a:r>
+              <a:rPr lang="en-US" altLang="ko-KR" sz="2400" b="1" dirty="0">
+                <a:effectLst>
+                  <a:outerShdw blurRad="38100" dist="38100" dir="2700000" algn="tl">
+                    <a:srgbClr val="000000">
+                      <a:alpha val="43137"/>
+                    </a:srgbClr>
+                  </a:outerShdw>
+                </a:effectLst>
+              </a:rPr>
+              <a:t>8</a:t>
+            </a:r>
+            <a:r>
+              <a:rPr lang="ko-KR" altLang="en-US" sz="2400" b="1" dirty="0">
+                <a:effectLst>
+                  <a:outerShdw blurRad="38100" dist="38100" dir="2700000" algn="tl">
+                    <a:srgbClr val="000000">
+                      <a:alpha val="43137"/>
+                    </a:srgbClr>
+                  </a:outerShdw>
+                </a:effectLst>
+              </a:rPr>
+              <a:t>일차</a:t>
+            </a:r>
+            <a:r>
+              <a:rPr lang="en-US" altLang="ko-KR" sz="2400" b="1" dirty="0">
+                <a:effectLst>
+                  <a:outerShdw blurRad="38100" dist="38100" dir="2700000" algn="tl">
+                    <a:srgbClr val="000000">
+                      <a:alpha val="43137"/>
+                    </a:srgbClr>
+                  </a:outerShdw>
+                </a:effectLst>
+              </a:rPr>
+              <a:t>: </a:t>
+            </a:r>
+            <a:r>
+              <a:rPr lang="ko-KR" altLang="en-US" sz="2400" b="1" dirty="0">
+                <a:effectLst>
+                  <a:outerShdw blurRad="38100" dist="38100" dir="2700000" algn="tl">
+                    <a:srgbClr val="000000">
+                      <a:alpha val="43137"/>
+                    </a:srgbClr>
+                  </a:outerShdw>
+                </a:effectLst>
+              </a:rPr>
+              <a:t>최종 테스트</a:t>
+            </a:r>
+            <a:endParaRPr lang="en-US" altLang="ko-KR" sz="2400" b="1" dirty="0">
+              <a:effectLst>
+                <a:outerShdw blurRad="38100" dist="38100" dir="2700000" algn="tl">
+                  <a:srgbClr val="000000">
+                    <a:alpha val="43137"/>
+                  </a:srgbClr>
+                </a:outerShdw>
+              </a:effectLst>
+            </a:endParaRPr>
+          </a:p>
+          <a:p>
+            <a:endParaRPr lang="ko-KR" altLang="en-US" sz="2400" b="1" dirty="0">
+              <a:effectLst>
+                <a:outerShdw blurRad="38100" dist="38100" dir="2700000" algn="tl">
+                  <a:srgbClr val="000000">
+                    <a:alpha val="43137"/>
+                  </a:srgbClr>
+                </a:outerShdw>
+              </a:effectLst>
+            </a:endParaRPr>
+          </a:p>
+        </p:txBody>
+      </p:sp>
+    </p:spTree>
+    <p:extLst>
+      <p:ext uri="{BB962C8B-B14F-4D97-AF65-F5344CB8AC3E}">
+        <p14:creationId xmlns:p14="http://schemas.microsoft.com/office/powerpoint/2010/main" val="3972275870"/>
+      </p:ext>
+    </p:extLst>
+  </p:cSld>
+  <p:clrMapOvr>
+    <a:masterClrMapping/>
+  </p:clrMapOvr>
+</p:sld>
+</file>
+
+<file path=ppt/slides/slide7.xml><?xml version="1.0" encoding="utf-8"?>
+<p:sld xmlns:a="http://schemas.openxmlformats.org/drawingml/2006/main" xmlns:r="http://schemas.openxmlformats.org/officeDocument/2006/relationships" xmlns:p="http://schemas.openxmlformats.org/presentationml/2006/main">
+  <p:cSld>
+    <p:spTree>
+      <p:nvGrpSpPr>
         <p:cNvPr id="1" name=""/>
         <p:cNvGrpSpPr/>
         <p:nvPr/>

--- a/발표ppt.pptx
+++ b/발표ppt.pptx
@@ -265,7 +265,7 @@
           <a:p>
             <a:fld id="{FB733D63-4AA7-4C9D-890A-9E866060496B}" type="datetimeFigureOut">
               <a:rPr lang="ko-KR" altLang="en-US" smtClean="0"/>
-              <a:t>2024-10-14</a:t>
+              <a:t>2024-10-28</a:t>
             </a:fld>
             <a:endParaRPr lang="ko-KR" altLang="en-US"/>
           </a:p>
@@ -463,7 +463,7 @@
           <a:p>
             <a:fld id="{FB733D63-4AA7-4C9D-890A-9E866060496B}" type="datetimeFigureOut">
               <a:rPr lang="ko-KR" altLang="en-US" smtClean="0"/>
-              <a:t>2024-10-14</a:t>
+              <a:t>2024-10-28</a:t>
             </a:fld>
             <a:endParaRPr lang="ko-KR" altLang="en-US"/>
           </a:p>
@@ -671,7 +671,7 @@
           <a:p>
             <a:fld id="{FB733D63-4AA7-4C9D-890A-9E866060496B}" type="datetimeFigureOut">
               <a:rPr lang="ko-KR" altLang="en-US" smtClean="0"/>
-              <a:t>2024-10-14</a:t>
+              <a:t>2024-10-28</a:t>
             </a:fld>
             <a:endParaRPr lang="ko-KR" altLang="en-US"/>
           </a:p>
@@ -869,7 +869,7 @@
           <a:p>
             <a:fld id="{FB733D63-4AA7-4C9D-890A-9E866060496B}" type="datetimeFigureOut">
               <a:rPr lang="ko-KR" altLang="en-US" smtClean="0"/>
-              <a:t>2024-10-14</a:t>
+              <a:t>2024-10-28</a:t>
             </a:fld>
             <a:endParaRPr lang="ko-KR" altLang="en-US"/>
           </a:p>
@@ -1144,7 +1144,7 @@
           <a:p>
             <a:fld id="{FB733D63-4AA7-4C9D-890A-9E866060496B}" type="datetimeFigureOut">
               <a:rPr lang="ko-KR" altLang="en-US" smtClean="0"/>
-              <a:t>2024-10-14</a:t>
+              <a:t>2024-10-28</a:t>
             </a:fld>
             <a:endParaRPr lang="ko-KR" altLang="en-US"/>
           </a:p>
@@ -1409,7 +1409,7 @@
           <a:p>
             <a:fld id="{FB733D63-4AA7-4C9D-890A-9E866060496B}" type="datetimeFigureOut">
               <a:rPr lang="ko-KR" altLang="en-US" smtClean="0"/>
-              <a:t>2024-10-14</a:t>
+              <a:t>2024-10-28</a:t>
             </a:fld>
             <a:endParaRPr lang="ko-KR" altLang="en-US"/>
           </a:p>
@@ -1821,7 +1821,7 @@
           <a:p>
             <a:fld id="{FB733D63-4AA7-4C9D-890A-9E866060496B}" type="datetimeFigureOut">
               <a:rPr lang="ko-KR" altLang="en-US" smtClean="0"/>
-              <a:t>2024-10-14</a:t>
+              <a:t>2024-10-28</a:t>
             </a:fld>
             <a:endParaRPr lang="ko-KR" altLang="en-US"/>
           </a:p>
@@ -1962,7 +1962,7 @@
           <a:p>
             <a:fld id="{FB733D63-4AA7-4C9D-890A-9E866060496B}" type="datetimeFigureOut">
               <a:rPr lang="ko-KR" altLang="en-US" smtClean="0"/>
-              <a:t>2024-10-14</a:t>
+              <a:t>2024-10-28</a:t>
             </a:fld>
             <a:endParaRPr lang="ko-KR" altLang="en-US"/>
           </a:p>
@@ -2075,7 +2075,7 @@
           <a:p>
             <a:fld id="{FB733D63-4AA7-4C9D-890A-9E866060496B}" type="datetimeFigureOut">
               <a:rPr lang="ko-KR" altLang="en-US" smtClean="0"/>
-              <a:t>2024-10-14</a:t>
+              <a:t>2024-10-28</a:t>
             </a:fld>
             <a:endParaRPr lang="ko-KR" altLang="en-US"/>
           </a:p>
@@ -2386,7 +2386,7 @@
           <a:p>
             <a:fld id="{FB733D63-4AA7-4C9D-890A-9E866060496B}" type="datetimeFigureOut">
               <a:rPr lang="ko-KR" altLang="en-US" smtClean="0"/>
-              <a:t>2024-10-14</a:t>
+              <a:t>2024-10-28</a:t>
             </a:fld>
             <a:endParaRPr lang="ko-KR" altLang="en-US"/>
           </a:p>
@@ -2674,7 +2674,7 @@
           <a:p>
             <a:fld id="{FB733D63-4AA7-4C9D-890A-9E866060496B}" type="datetimeFigureOut">
               <a:rPr lang="ko-KR" altLang="en-US" smtClean="0"/>
-              <a:t>2024-10-14</a:t>
+              <a:t>2024-10-28</a:t>
             </a:fld>
             <a:endParaRPr lang="ko-KR" altLang="en-US"/>
           </a:p>
@@ -2915,7 +2915,7 @@
           <a:p>
             <a:fld id="{FB733D63-4AA7-4C9D-890A-9E866060496B}" type="datetimeFigureOut">
               <a:rPr lang="ko-KR" altLang="en-US" smtClean="0"/>
-              <a:t>2024-10-14</a:t>
+              <a:t>2024-10-28</a:t>
             </a:fld>
             <a:endParaRPr lang="ko-KR" altLang="en-US"/>
           </a:p>
@@ -14808,7 +14808,7 @@
                   </a:outerShdw>
                 </a:effectLst>
               </a:rPr>
-              <a:t>일차</a:t>
+              <a:t>주차</a:t>
             </a:r>
             <a:r>
               <a:rPr lang="en-US" altLang="ko-KR" sz="2400" b="1" dirty="0">
@@ -14881,7 +14881,7 @@
                   </a:outerShdw>
                 </a:effectLst>
               </a:rPr>
-              <a:t>일차</a:t>
+              <a:t>주차</a:t>
             </a:r>
             <a:r>
               <a:rPr lang="en-US" altLang="ko-KR" sz="2400" b="1" dirty="0">
@@ -14951,7 +14951,7 @@
                   </a:outerShdw>
                 </a:effectLst>
               </a:rPr>
-              <a:t>일차</a:t>
+              <a:t>주차</a:t>
             </a:r>
             <a:r>
               <a:rPr lang="en-US" altLang="ko-KR" sz="2400" b="1" dirty="0">
@@ -14975,7 +14975,7 @@
                   </a:outerShdw>
                 </a:effectLst>
               </a:rPr>
-              <a:t>캐릭터 생성 </a:t>
+              <a:t>히트박스 제작</a:t>
             </a:r>
             <a:endParaRPr lang="en-US" altLang="ko-KR" sz="2400" b="1" dirty="0">
               <a:effectLst>
@@ -15021,7 +15021,7 @@
                   </a:outerShdw>
                 </a:effectLst>
               </a:rPr>
-              <a:t>일차</a:t>
+              <a:t>주차</a:t>
             </a:r>
             <a:r>
               <a:rPr lang="en-US" altLang="ko-KR" sz="2400" b="1" dirty="0">
@@ -15091,7 +15091,7 @@
                   </a:outerShdw>
                 </a:effectLst>
               </a:rPr>
-              <a:t>일차</a:t>
+              <a:t>주차</a:t>
             </a:r>
             <a:r>
               <a:rPr lang="en-US" altLang="ko-KR" sz="2400" b="1" dirty="0">
@@ -15115,7 +15115,7 @@
                   </a:outerShdw>
                 </a:effectLst>
               </a:rPr>
-              <a:t>히트박스 제작</a:t>
+              <a:t>공격 및 피격 판정 구현</a:t>
             </a:r>
             <a:endParaRPr lang="en-US" altLang="ko-KR" sz="2400" b="1" dirty="0">
               <a:effectLst>
@@ -15161,7 +15161,77 @@
                   </a:outerShdw>
                 </a:effectLst>
               </a:rPr>
-              <a:t>일차</a:t>
+              <a:t>주차</a:t>
+            </a:r>
+            <a:r>
+              <a:rPr lang="en-US" altLang="ko-KR" sz="2400" b="1" dirty="0">
+                <a:effectLst>
+                  <a:outerShdw blurRad="38100" dist="38100" dir="2700000" algn="tl">
+                    <a:srgbClr val="000000">
+                      <a:alpha val="43137"/>
+                    </a:srgbClr>
+                  </a:outerShdw>
+                </a:effectLst>
+              </a:rPr>
+              <a:t>: AI </a:t>
+            </a:r>
+            <a:r>
+              <a:rPr lang="ko-KR" altLang="en-US" sz="2400" b="1" dirty="0">
+                <a:effectLst>
+                  <a:outerShdw blurRad="38100" dist="38100" dir="2700000" algn="tl">
+                    <a:srgbClr val="000000">
+                      <a:alpha val="43137"/>
+                    </a:srgbClr>
+                  </a:outerShdw>
+                </a:effectLst>
+              </a:rPr>
+              <a:t>구현</a:t>
+            </a:r>
+            <a:endParaRPr lang="en-US" altLang="ko-KR" sz="2400" b="1" dirty="0">
+              <a:effectLst>
+                <a:outerShdw blurRad="38100" dist="38100" dir="2700000" algn="tl">
+                  <a:srgbClr val="000000">
+                    <a:alpha val="43137"/>
+                  </a:srgbClr>
+                </a:outerShdw>
+              </a:effectLst>
+            </a:endParaRPr>
+          </a:p>
+          <a:p>
+            <a:endParaRPr lang="en-US" altLang="ko-KR" sz="2400" b="1" dirty="0">
+              <a:effectLst>
+                <a:outerShdw blurRad="38100" dist="38100" dir="2700000" algn="tl">
+                  <a:srgbClr val="000000">
+                    <a:alpha val="43137"/>
+                  </a:srgbClr>
+                </a:outerShdw>
+              </a:effectLst>
+            </a:endParaRPr>
+          </a:p>
+          <a:p>
+            <a:r>
+              <a:rPr lang="en-US" altLang="ko-KR" sz="2400" b="1" dirty="0">
+                <a:effectLst>
+                  <a:outerShdw blurRad="38100" dist="38100" dir="2700000" algn="tl">
+                    <a:srgbClr val="000000">
+                      <a:alpha val="43137"/>
+                    </a:srgbClr>
+                  </a:outerShdw>
+                </a:effectLst>
+              </a:rPr>
+              <a:t>7</a:t>
+            </a:r>
+            <a:r>
+              <a:rPr lang="ko-KR" altLang="en-US" sz="2400" b="1" dirty="0">
+                <a:effectLst>
+                  <a:outerShdw blurRad="38100" dist="38100" dir="2700000" algn="tl">
+                    <a:srgbClr val="000000">
+                      <a:alpha val="43137"/>
+                    </a:srgbClr>
+                  </a:outerShdw>
+                </a:effectLst>
+              </a:rPr>
+              <a:t>주차</a:t>
             </a:r>
             <a:r>
               <a:rPr lang="en-US" altLang="ko-KR" sz="2400" b="1" dirty="0">
@@ -15185,76 +15255,6 @@
                   </a:outerShdw>
                 </a:effectLst>
               </a:rPr>
-              <a:t>공격 및 피격 판정 구현</a:t>
-            </a:r>
-            <a:endParaRPr lang="en-US" altLang="ko-KR" sz="2400" b="1" dirty="0">
-              <a:effectLst>
-                <a:outerShdw blurRad="38100" dist="38100" dir="2700000" algn="tl">
-                  <a:srgbClr val="000000">
-                    <a:alpha val="43137"/>
-                  </a:srgbClr>
-                </a:outerShdw>
-              </a:effectLst>
-            </a:endParaRPr>
-          </a:p>
-          <a:p>
-            <a:endParaRPr lang="en-US" altLang="ko-KR" sz="2400" b="1" dirty="0">
-              <a:effectLst>
-                <a:outerShdw blurRad="38100" dist="38100" dir="2700000" algn="tl">
-                  <a:srgbClr val="000000">
-                    <a:alpha val="43137"/>
-                  </a:srgbClr>
-                </a:outerShdw>
-              </a:effectLst>
-            </a:endParaRPr>
-          </a:p>
-          <a:p>
-            <a:r>
-              <a:rPr lang="en-US" altLang="ko-KR" sz="2400" b="1" dirty="0">
-                <a:effectLst>
-                  <a:outerShdw blurRad="38100" dist="38100" dir="2700000" algn="tl">
-                    <a:srgbClr val="000000">
-                      <a:alpha val="43137"/>
-                    </a:srgbClr>
-                  </a:outerShdw>
-                </a:effectLst>
-              </a:rPr>
-              <a:t>7</a:t>
-            </a:r>
-            <a:r>
-              <a:rPr lang="ko-KR" altLang="en-US" sz="2400" b="1" dirty="0">
-                <a:effectLst>
-                  <a:outerShdw blurRad="38100" dist="38100" dir="2700000" algn="tl">
-                    <a:srgbClr val="000000">
-                      <a:alpha val="43137"/>
-                    </a:srgbClr>
-                  </a:outerShdw>
-                </a:effectLst>
-              </a:rPr>
-              <a:t>일차</a:t>
-            </a:r>
-            <a:r>
-              <a:rPr lang="en-US" altLang="ko-KR" sz="2400" b="1" dirty="0">
-                <a:effectLst>
-                  <a:outerShdw blurRad="38100" dist="38100" dir="2700000" algn="tl">
-                    <a:srgbClr val="000000">
-                      <a:alpha val="43137"/>
-                    </a:srgbClr>
-                  </a:outerShdw>
-                </a:effectLst>
-              </a:rPr>
-              <a:t>: </a:t>
-            </a:r>
-            <a:r>
-              <a:rPr lang="ko-KR" altLang="en-US" sz="2400" b="1" dirty="0">
-                <a:effectLst>
-                  <a:outerShdw blurRad="38100" dist="38100" dir="2700000" algn="tl">
-                    <a:srgbClr val="000000">
-                      <a:alpha val="43137"/>
-                    </a:srgbClr>
-                  </a:outerShdw>
-                </a:effectLst>
-              </a:rPr>
               <a:t>사망 및 생명 시스템 구현</a:t>
             </a:r>
             <a:endParaRPr lang="en-US" altLang="ko-KR" sz="2400" b="1" dirty="0">
@@ -15301,7 +15301,7 @@
                   </a:outerShdw>
                 </a:effectLst>
               </a:rPr>
-              <a:t>일차</a:t>
+              <a:t>주차</a:t>
             </a:r>
             <a:r>
               <a:rPr lang="en-US" altLang="ko-KR" sz="2400" b="1" dirty="0">
